--- a/slides/chap7.pptx
+++ b/slides/chap7.pptx
@@ -4445,7 +4445,11 @@
               <a:buChar char="•"/>
             </a:pPr>
             <a:r>
-              <a:rPr lang="en-US" dirty="0"/>
+              <a:rPr lang="en-US" dirty="0">
+                <a:solidFill>
+                  <a:schemeClr val="bg1"/>
+                </a:solidFill>
+              </a:rPr>
               <a:t>Can also add parentheses to make the expression clearer- see “match” </a:t>
             </a:r>
           </a:p>
@@ -4455,15 +4459,27 @@
               <a:buChar char="•"/>
             </a:pPr>
             <a:r>
-              <a:rPr lang="en-US" dirty="0"/>
+              <a:rPr lang="en-US" dirty="0">
+                <a:solidFill>
+                  <a:schemeClr val="bg1"/>
+                </a:solidFill>
+              </a:rPr>
               <a:t>Note how the expression of “</a:t>
             </a:r>
             <a:r>
-              <a:rPr lang="en-US" dirty="0" err="1"/>
+              <a:rPr lang="en-US" dirty="0" err="1">
+                <a:solidFill>
+                  <a:schemeClr val="bg1"/>
+                </a:solidFill>
+              </a:rPr>
               <a:t>onHoliday</a:t>
             </a:r>
             <a:r>
-              <a:rPr lang="en-US" dirty="0"/>
+              <a:rPr lang="en-US" dirty="0">
+                <a:solidFill>
+                  <a:schemeClr val="bg1"/>
+                </a:solidFill>
+              </a:rPr>
               <a:t>” is equal to the expression within the parentheses of ”match”</a:t>
             </a:r>
           </a:p>
@@ -4472,21 +4488,33 @@
               <a:buFont typeface="Arial" panose="020B0604020202020204" pitchFamily="34" charset="0"/>
               <a:buChar char="•"/>
             </a:pPr>
-            <a:endParaRPr lang="en-US" dirty="0"/>
+            <a:endParaRPr lang="en-US" dirty="0">
+              <a:solidFill>
+                <a:schemeClr val="bg1"/>
+              </a:solidFill>
+            </a:endParaRPr>
           </a:p>
           <a:p>
             <a:pPr marL="285750" indent="-285750">
               <a:buFont typeface="Arial" panose="020B0604020202020204" pitchFamily="34" charset="0"/>
               <a:buChar char="•"/>
             </a:pPr>
-            <a:endParaRPr lang="en-US" dirty="0"/>
+            <a:endParaRPr lang="en-US" dirty="0">
+              <a:solidFill>
+                <a:schemeClr val="bg1"/>
+              </a:solidFill>
+            </a:endParaRPr>
           </a:p>
           <a:p>
             <a:pPr marL="285750" indent="-285750">
               <a:buFont typeface="Arial" panose="020B0604020202020204" pitchFamily="34" charset="0"/>
               <a:buChar char="•"/>
             </a:pPr>
-            <a:endParaRPr lang="en-US" dirty="0"/>
+            <a:endParaRPr lang="en-US" dirty="0">
+              <a:solidFill>
+                <a:schemeClr val="bg1"/>
+              </a:solidFill>
+            </a:endParaRPr>
           </a:p>
           <a:p>
             <a:pPr marL="285750" indent="-285750">
@@ -4494,7 +4522,11 @@
               <a:buChar char="•"/>
             </a:pPr>
             <a:r>
-              <a:rPr lang="en-US" dirty="0"/>
+              <a:rPr lang="en-US" dirty="0">
+                <a:solidFill>
+                  <a:schemeClr val="bg1"/>
+                </a:solidFill>
+              </a:rPr>
               <a:t>Note how the parentheses is required for “map”, because it takes a function as an argument. Without the parentheses, it would read as if it were two parameters of the same function.</a:t>
             </a:r>
           </a:p>
